--- a/blokdiagram.pptx
+++ b/blokdiagram.pptx
@@ -6,6 +6,7 @@
   </p:sldMasterIdLst>
   <p:sldIdLst>
     <p:sldId id="256" r:id="rId2"/>
+    <p:sldId id="257" r:id="rId3"/>
   </p:sldIdLst>
   <p:sldSz cx="12192000" cy="6858000"/>
   <p:notesSz cx="6858000" cy="9144000"/>
@@ -104,6 +105,11 @@
       </a:defRPr>
     </a:lvl9pPr>
   </p:defaultTextStyle>
+  <p:extLst>
+    <p:ext uri="{EFAFB233-063F-42B5-8137-9DF3F51BA10A}">
+      <p15:sldGuideLst xmlns:p15="http://schemas.microsoft.com/office/powerpoint/2012/main"/>
+    </p:ext>
+  </p:extLst>
 </p:presentation>
 </file>
 
@@ -238,7 +244,7 @@
           <a:p>
             <a:fld id="{9068DABD-E169-9849-B0C7-39B4F88B3C5B}" type="datetimeFigureOut">
               <a:rPr lang="en-US" smtClean="0"/>
-              <a:t>10/11/22</a:t>
+              <a:t>10/16/22</a:t>
             </a:fld>
             <a:endParaRPr lang="en-US"/>
           </a:p>
@@ -408,7 +414,7 @@
           <a:p>
             <a:fld id="{9068DABD-E169-9849-B0C7-39B4F88B3C5B}" type="datetimeFigureOut">
               <a:rPr lang="en-US" smtClean="0"/>
-              <a:t>10/11/22</a:t>
+              <a:t>10/16/22</a:t>
             </a:fld>
             <a:endParaRPr lang="en-US"/>
           </a:p>
@@ -588,7 +594,7 @@
           <a:p>
             <a:fld id="{9068DABD-E169-9849-B0C7-39B4F88B3C5B}" type="datetimeFigureOut">
               <a:rPr lang="en-US" smtClean="0"/>
-              <a:t>10/11/22</a:t>
+              <a:t>10/16/22</a:t>
             </a:fld>
             <a:endParaRPr lang="en-US"/>
           </a:p>
@@ -758,7 +764,7 @@
           <a:p>
             <a:fld id="{9068DABD-E169-9849-B0C7-39B4F88B3C5B}" type="datetimeFigureOut">
               <a:rPr lang="en-US" smtClean="0"/>
-              <a:t>10/11/22</a:t>
+              <a:t>10/16/22</a:t>
             </a:fld>
             <a:endParaRPr lang="en-US"/>
           </a:p>
@@ -1004,7 +1010,7 @@
           <a:p>
             <a:fld id="{9068DABD-E169-9849-B0C7-39B4F88B3C5B}" type="datetimeFigureOut">
               <a:rPr lang="en-US" smtClean="0"/>
-              <a:t>10/11/22</a:t>
+              <a:t>10/16/22</a:t>
             </a:fld>
             <a:endParaRPr lang="en-US"/>
           </a:p>
@@ -1236,7 +1242,7 @@
           <a:p>
             <a:fld id="{9068DABD-E169-9849-B0C7-39B4F88B3C5B}" type="datetimeFigureOut">
               <a:rPr lang="en-US" smtClean="0"/>
-              <a:t>10/11/22</a:t>
+              <a:t>10/16/22</a:t>
             </a:fld>
             <a:endParaRPr lang="en-US"/>
           </a:p>
@@ -1603,7 +1609,7 @@
           <a:p>
             <a:fld id="{9068DABD-E169-9849-B0C7-39B4F88B3C5B}" type="datetimeFigureOut">
               <a:rPr lang="en-US" smtClean="0"/>
-              <a:t>10/11/22</a:t>
+              <a:t>10/16/22</a:t>
             </a:fld>
             <a:endParaRPr lang="en-US"/>
           </a:p>
@@ -1721,7 +1727,7 @@
           <a:p>
             <a:fld id="{9068DABD-E169-9849-B0C7-39B4F88B3C5B}" type="datetimeFigureOut">
               <a:rPr lang="en-US" smtClean="0"/>
-              <a:t>10/11/22</a:t>
+              <a:t>10/16/22</a:t>
             </a:fld>
             <a:endParaRPr lang="en-US"/>
           </a:p>
@@ -1816,7 +1822,7 @@
           <a:p>
             <a:fld id="{9068DABD-E169-9849-B0C7-39B4F88B3C5B}" type="datetimeFigureOut">
               <a:rPr lang="en-US" smtClean="0"/>
-              <a:t>10/11/22</a:t>
+              <a:t>10/16/22</a:t>
             </a:fld>
             <a:endParaRPr lang="en-US"/>
           </a:p>
@@ -2093,7 +2099,7 @@
           <a:p>
             <a:fld id="{9068DABD-E169-9849-B0C7-39B4F88B3C5B}" type="datetimeFigureOut">
               <a:rPr lang="en-US" smtClean="0"/>
-              <a:t>10/11/22</a:t>
+              <a:t>10/16/22</a:t>
             </a:fld>
             <a:endParaRPr lang="en-US"/>
           </a:p>
@@ -2346,7 +2352,7 @@
           <a:p>
             <a:fld id="{9068DABD-E169-9849-B0C7-39B4F88B3C5B}" type="datetimeFigureOut">
               <a:rPr lang="en-US" smtClean="0"/>
-              <a:t>10/11/22</a:t>
+              <a:t>10/16/22</a:t>
             </a:fld>
             <a:endParaRPr lang="en-US"/>
           </a:p>
@@ -2559,7 +2565,7 @@
           <a:p>
             <a:fld id="{9068DABD-E169-9849-B0C7-39B4F88B3C5B}" type="datetimeFigureOut">
               <a:rPr lang="en-US" smtClean="0"/>
-              <a:t>10/11/22</a:t>
+              <a:t>10/16/22</a:t>
             </a:fld>
             <a:endParaRPr lang="en-US"/>
           </a:p>
@@ -2972,7 +2978,7 @@
         </p:nvSpPr>
         <p:spPr>
           <a:xfrm>
-            <a:off x="1547443" y="1767255"/>
+            <a:off x="1547442" y="2369526"/>
             <a:ext cx="1582615" cy="448408"/>
           </a:xfrm>
           <a:prstGeom prst="rect">
@@ -3658,166 +3664,6 @@
           </a:p>
         </p:txBody>
       </p:sp>
-      <p:cxnSp>
-        <p:nvCxnSpPr>
-          <p:cNvPr id="18" name="Straight Arrow Connector 17"/>
-          <p:cNvCxnSpPr>
-            <a:stCxn id="4" idx="3"/>
-            <a:endCxn id="5" idx="1"/>
-          </p:cNvCxnSpPr>
-          <p:nvPr/>
-        </p:nvCxnSpPr>
-        <p:spPr>
-          <a:xfrm>
-            <a:off x="3130058" y="1991459"/>
-            <a:ext cx="679942" cy="0"/>
-          </a:xfrm>
-          <a:prstGeom prst="straightConnector1">
-            <a:avLst/>
-          </a:prstGeom>
-          <a:ln w="38100">
-            <a:solidFill>
-              <a:schemeClr val="tx1"/>
-            </a:solidFill>
-            <a:tailEnd type="triangle"/>
-          </a:ln>
-        </p:spPr>
-        <p:style>
-          <a:lnRef idx="1">
-            <a:schemeClr val="accent1"/>
-          </a:lnRef>
-          <a:fillRef idx="0">
-            <a:schemeClr val="accent1"/>
-          </a:fillRef>
-          <a:effectRef idx="0">
-            <a:schemeClr val="accent1"/>
-          </a:effectRef>
-          <a:fontRef idx="minor">
-            <a:schemeClr val="tx1"/>
-          </a:fontRef>
-        </p:style>
-      </p:cxnSp>
-      <p:cxnSp>
-        <p:nvCxnSpPr>
-          <p:cNvPr id="19" name="Straight Arrow Connector 18"/>
-          <p:cNvCxnSpPr>
-            <a:stCxn id="5" idx="3"/>
-            <a:endCxn id="9" idx="1"/>
-          </p:cNvCxnSpPr>
-          <p:nvPr/>
-        </p:nvCxnSpPr>
-        <p:spPr>
-          <a:xfrm>
-            <a:off x="5811715" y="1991459"/>
-            <a:ext cx="609600" cy="0"/>
-          </a:xfrm>
-          <a:prstGeom prst="straightConnector1">
-            <a:avLst/>
-          </a:prstGeom>
-          <a:ln w="38100">
-            <a:solidFill>
-              <a:schemeClr val="tx1"/>
-            </a:solidFill>
-            <a:tailEnd type="triangle"/>
-          </a:ln>
-        </p:spPr>
-        <p:style>
-          <a:lnRef idx="1">
-            <a:schemeClr val="accent1"/>
-          </a:lnRef>
-          <a:fillRef idx="0">
-            <a:schemeClr val="accent1"/>
-          </a:fillRef>
-          <a:effectRef idx="0">
-            <a:schemeClr val="accent1"/>
-          </a:effectRef>
-          <a:fontRef idx="minor">
-            <a:schemeClr val="tx1"/>
-          </a:fontRef>
-        </p:style>
-      </p:cxnSp>
-      <p:cxnSp>
-        <p:nvCxnSpPr>
-          <p:cNvPr id="23" name="Elbow Connector 22"/>
-          <p:cNvCxnSpPr>
-            <a:stCxn id="5" idx="3"/>
-            <a:endCxn id="11" idx="1"/>
-          </p:cNvCxnSpPr>
-          <p:nvPr/>
-        </p:nvCxnSpPr>
-        <p:spPr>
-          <a:xfrm>
-            <a:off x="5811715" y="1991459"/>
-            <a:ext cx="609600" cy="1204542"/>
-          </a:xfrm>
-          <a:prstGeom prst="bentConnector3">
-            <a:avLst>
-              <a:gd name="adj1" fmla="val 50000"/>
-            </a:avLst>
-          </a:prstGeom>
-          <a:ln w="38100">
-            <a:solidFill>
-              <a:schemeClr val="tx1"/>
-            </a:solidFill>
-            <a:tailEnd type="triangle"/>
-          </a:ln>
-        </p:spPr>
-        <p:style>
-          <a:lnRef idx="1">
-            <a:schemeClr val="accent1"/>
-          </a:lnRef>
-          <a:fillRef idx="0">
-            <a:schemeClr val="accent1"/>
-          </a:fillRef>
-          <a:effectRef idx="0">
-            <a:schemeClr val="accent1"/>
-          </a:effectRef>
-          <a:fontRef idx="minor">
-            <a:schemeClr val="tx1"/>
-          </a:fontRef>
-        </p:style>
-      </p:cxnSp>
-      <p:cxnSp>
-        <p:nvCxnSpPr>
-          <p:cNvPr id="24" name="Elbow Connector 23"/>
-          <p:cNvCxnSpPr>
-            <a:stCxn id="5" idx="3"/>
-            <a:endCxn id="10" idx="1"/>
-          </p:cNvCxnSpPr>
-          <p:nvPr/>
-        </p:nvCxnSpPr>
-        <p:spPr>
-          <a:xfrm>
-            <a:off x="5811715" y="1991459"/>
-            <a:ext cx="609600" cy="602271"/>
-          </a:xfrm>
-          <a:prstGeom prst="bentConnector3">
-            <a:avLst>
-              <a:gd name="adj1" fmla="val 50000"/>
-            </a:avLst>
-          </a:prstGeom>
-          <a:ln w="38100">
-            <a:solidFill>
-              <a:schemeClr val="tx1"/>
-            </a:solidFill>
-            <a:tailEnd type="triangle"/>
-          </a:ln>
-        </p:spPr>
-        <p:style>
-          <a:lnRef idx="1">
-            <a:schemeClr val="accent1"/>
-          </a:lnRef>
-          <a:fillRef idx="0">
-            <a:schemeClr val="accent1"/>
-          </a:fillRef>
-          <a:effectRef idx="0">
-            <a:schemeClr val="accent1"/>
-          </a:effectRef>
-          <a:fontRef idx="minor">
-            <a:schemeClr val="tx1"/>
-          </a:fontRef>
-        </p:style>
-      </p:cxnSp>
       <p:sp>
         <p:nvSpPr>
           <p:cNvPr id="30" name="Rectangle 29"/>
@@ -3875,6 +3721,102 @@
               <a:ea typeface="Times New Roman" charset="0"/>
               <a:cs typeface="Times New Roman" charset="0"/>
             </a:endParaRPr>
+          </a:p>
+        </p:txBody>
+      </p:sp>
+      <p:sp>
+        <p:nvSpPr>
+          <p:cNvPr id="2" name="Right Arrow 1"/>
+          <p:cNvSpPr/>
+          <p:nvPr/>
+        </p:nvSpPr>
+        <p:spPr>
+          <a:xfrm>
+            <a:off x="3269293" y="2369526"/>
+            <a:ext cx="450937" cy="382467"/>
+          </a:xfrm>
+          <a:prstGeom prst="rightArrow">
+            <a:avLst/>
+          </a:prstGeom>
+          <a:solidFill>
+            <a:schemeClr val="accent5">
+              <a:lumMod val="75000"/>
+            </a:schemeClr>
+          </a:solidFill>
+          <a:ln>
+            <a:noFill/>
+          </a:ln>
+        </p:spPr>
+        <p:style>
+          <a:lnRef idx="2">
+            <a:schemeClr val="accent1">
+              <a:shade val="50000"/>
+            </a:schemeClr>
+          </a:lnRef>
+          <a:fillRef idx="1">
+            <a:schemeClr val="accent1"/>
+          </a:fillRef>
+          <a:effectRef idx="0">
+            <a:schemeClr val="accent1"/>
+          </a:effectRef>
+          <a:fontRef idx="minor">
+            <a:schemeClr val="lt1"/>
+          </a:fontRef>
+        </p:style>
+        <p:txBody>
+          <a:bodyPr rtlCol="0" anchor="ctr"/>
+          <a:lstStyle/>
+          <a:p>
+            <a:pPr algn="ctr"/>
+            <a:endParaRPr lang="en-US"/>
+          </a:p>
+        </p:txBody>
+      </p:sp>
+      <p:sp>
+        <p:nvSpPr>
+          <p:cNvPr id="20" name="Right Arrow 19"/>
+          <p:cNvSpPr/>
+          <p:nvPr/>
+        </p:nvSpPr>
+        <p:spPr>
+          <a:xfrm>
+            <a:off x="5896266" y="2369525"/>
+            <a:ext cx="450937" cy="382467"/>
+          </a:xfrm>
+          <a:prstGeom prst="rightArrow">
+            <a:avLst/>
+          </a:prstGeom>
+          <a:solidFill>
+            <a:schemeClr val="accent5">
+              <a:lumMod val="75000"/>
+            </a:schemeClr>
+          </a:solidFill>
+          <a:ln>
+            <a:noFill/>
+          </a:ln>
+        </p:spPr>
+        <p:style>
+          <a:lnRef idx="2">
+            <a:schemeClr val="accent1">
+              <a:shade val="50000"/>
+            </a:schemeClr>
+          </a:lnRef>
+          <a:fillRef idx="1">
+            <a:schemeClr val="accent1"/>
+          </a:fillRef>
+          <a:effectRef idx="0">
+            <a:schemeClr val="accent1"/>
+          </a:effectRef>
+          <a:fontRef idx="minor">
+            <a:schemeClr val="lt1"/>
+          </a:fontRef>
+        </p:style>
+        <p:txBody>
+          <a:bodyPr rtlCol="0" anchor="ctr"/>
+          <a:lstStyle/>
+          <a:p>
+            <a:pPr algn="ctr"/>
+            <a:endParaRPr lang="en-US"/>
           </a:p>
         </p:txBody>
       </p:sp>
@@ -3895,6 +3837,819 @@
       </p:par>
     </p:tnLst>
   </p:timing>
+</p:sld>
+</file>
+
+<file path=ppt/slides/slide2.xml><?xml version="1.0" encoding="utf-8"?>
+<p:sld xmlns:a="http://schemas.openxmlformats.org/drawingml/2006/main" xmlns:r="http://schemas.openxmlformats.org/officeDocument/2006/relationships" xmlns:p="http://schemas.openxmlformats.org/presentationml/2006/main">
+  <p:cSld>
+    <p:spTree>
+      <p:nvGrpSpPr>
+        <p:cNvPr id="1" name=""/>
+        <p:cNvGrpSpPr/>
+        <p:nvPr/>
+      </p:nvGrpSpPr>
+      <p:grpSpPr>
+        <a:xfrm>
+          <a:off x="0" y="0"/>
+          <a:ext cx="0" cy="0"/>
+          <a:chOff x="0" y="0"/>
+          <a:chExt cx="0" cy="0"/>
+        </a:xfrm>
+      </p:grpSpPr>
+      <p:sp>
+        <p:nvSpPr>
+          <p:cNvPr id="13" name="Rounded Rectangle 12"/>
+          <p:cNvSpPr/>
+          <p:nvPr/>
+        </p:nvSpPr>
+        <p:spPr>
+          <a:xfrm>
+            <a:off x="3983276" y="1002082"/>
+            <a:ext cx="6507271" cy="2941523"/>
+          </a:xfrm>
+          <a:prstGeom prst="roundRect">
+            <a:avLst/>
+          </a:prstGeom>
+          <a:noFill/>
+          <a:ln w="38100">
+            <a:solidFill>
+              <a:schemeClr val="tx1"/>
+            </a:solidFill>
+          </a:ln>
+        </p:spPr>
+        <p:style>
+          <a:lnRef idx="2">
+            <a:schemeClr val="accent1">
+              <a:shade val="50000"/>
+            </a:schemeClr>
+          </a:lnRef>
+          <a:fillRef idx="1">
+            <a:schemeClr val="accent1"/>
+          </a:fillRef>
+          <a:effectRef idx="0">
+            <a:schemeClr val="accent1"/>
+          </a:effectRef>
+          <a:fontRef idx="minor">
+            <a:schemeClr val="lt1"/>
+          </a:fontRef>
+        </p:style>
+        <p:txBody>
+          <a:bodyPr rtlCol="0" anchor="ctr"/>
+          <a:lstStyle/>
+          <a:p>
+            <a:pPr algn="ctr"/>
+            <a:endParaRPr lang="en-US"/>
+          </a:p>
+        </p:txBody>
+      </p:sp>
+      <p:sp>
+        <p:nvSpPr>
+          <p:cNvPr id="4" name="Rounded Rectangle 3"/>
+          <p:cNvSpPr/>
+          <p:nvPr/>
+        </p:nvSpPr>
+        <p:spPr>
+          <a:xfrm>
+            <a:off x="5498925" y="1290180"/>
+            <a:ext cx="1415442" cy="1365337"/>
+          </a:xfrm>
+          <a:prstGeom prst="roundRect">
+            <a:avLst/>
+          </a:prstGeom>
+          <a:solidFill>
+            <a:schemeClr val="accent5">
+              <a:lumMod val="20000"/>
+              <a:lumOff val="80000"/>
+            </a:schemeClr>
+          </a:solidFill>
+          <a:ln>
+            <a:solidFill>
+              <a:schemeClr val="tx1"/>
+            </a:solidFill>
+          </a:ln>
+        </p:spPr>
+        <p:style>
+          <a:lnRef idx="2">
+            <a:schemeClr val="accent1">
+              <a:shade val="50000"/>
+            </a:schemeClr>
+          </a:lnRef>
+          <a:fillRef idx="1">
+            <a:schemeClr val="accent1"/>
+          </a:fillRef>
+          <a:effectRef idx="0">
+            <a:schemeClr val="accent1"/>
+          </a:effectRef>
+          <a:fontRef idx="minor">
+            <a:schemeClr val="lt1"/>
+          </a:fontRef>
+        </p:style>
+        <p:txBody>
+          <a:bodyPr rtlCol="0" anchor="ctr"/>
+          <a:lstStyle/>
+          <a:p>
+            <a:pPr algn="ctr"/>
+            <a:r>
+              <a:rPr lang="en-US" dirty="0" smtClean="0">
+                <a:solidFill>
+                  <a:schemeClr val="tx1"/>
+                </a:solidFill>
+              </a:rPr>
+              <a:t>CPU</a:t>
+            </a:r>
+          </a:p>
+          <a:p>
+            <a:pPr algn="ctr"/>
+            <a:endParaRPr lang="en-US" dirty="0">
+              <a:solidFill>
+                <a:schemeClr val="tx1"/>
+              </a:solidFill>
+            </a:endParaRPr>
+          </a:p>
+          <a:p>
+            <a:pPr algn="ctr"/>
+            <a:r>
+              <a:rPr lang="en-US" dirty="0" smtClean="0">
+                <a:solidFill>
+                  <a:schemeClr val="tx1"/>
+                </a:solidFill>
+              </a:rPr>
+              <a:t>GPU</a:t>
+            </a:r>
+            <a:endParaRPr lang="en-US" dirty="0">
+              <a:solidFill>
+                <a:schemeClr val="tx1"/>
+              </a:solidFill>
+            </a:endParaRPr>
+          </a:p>
+        </p:txBody>
+      </p:sp>
+      <p:sp>
+        <p:nvSpPr>
+          <p:cNvPr id="5" name="Rounded Rectangle 4"/>
+          <p:cNvSpPr/>
+          <p:nvPr/>
+        </p:nvSpPr>
+        <p:spPr>
+          <a:xfrm>
+            <a:off x="7517704" y="1503122"/>
+            <a:ext cx="962417" cy="939454"/>
+          </a:xfrm>
+          <a:prstGeom prst="roundRect">
+            <a:avLst/>
+          </a:prstGeom>
+          <a:solidFill>
+            <a:schemeClr val="accent4">
+              <a:lumMod val="20000"/>
+              <a:lumOff val="80000"/>
+            </a:schemeClr>
+          </a:solidFill>
+          <a:ln>
+            <a:solidFill>
+              <a:schemeClr val="tx1"/>
+            </a:solidFill>
+          </a:ln>
+        </p:spPr>
+        <p:style>
+          <a:lnRef idx="2">
+            <a:schemeClr val="accent1">
+              <a:shade val="50000"/>
+            </a:schemeClr>
+          </a:lnRef>
+          <a:fillRef idx="1">
+            <a:schemeClr val="accent1"/>
+          </a:fillRef>
+          <a:effectRef idx="0">
+            <a:schemeClr val="accent1"/>
+          </a:effectRef>
+          <a:fontRef idx="minor">
+            <a:schemeClr val="lt1"/>
+          </a:fontRef>
+        </p:style>
+        <p:txBody>
+          <a:bodyPr rtlCol="0" anchor="ctr"/>
+          <a:lstStyle/>
+          <a:p>
+            <a:pPr algn="ctr"/>
+            <a:r>
+              <a:rPr lang="en-US" smtClean="0">
+                <a:solidFill>
+                  <a:schemeClr val="tx1"/>
+                </a:solidFill>
+              </a:rPr>
+              <a:t>RAM</a:t>
+            </a:r>
+            <a:endParaRPr lang="en-US" dirty="0">
+              <a:solidFill>
+                <a:schemeClr val="tx1"/>
+              </a:solidFill>
+            </a:endParaRPr>
+          </a:p>
+        </p:txBody>
+      </p:sp>
+      <p:sp>
+        <p:nvSpPr>
+          <p:cNvPr id="6" name="Rounded Rectangle 5"/>
+          <p:cNvSpPr/>
+          <p:nvPr/>
+        </p:nvSpPr>
+        <p:spPr>
+          <a:xfrm>
+            <a:off x="5498925" y="3271378"/>
+            <a:ext cx="1415442" cy="461377"/>
+          </a:xfrm>
+          <a:prstGeom prst="roundRect">
+            <a:avLst/>
+          </a:prstGeom>
+          <a:solidFill>
+            <a:schemeClr val="accent2">
+              <a:lumMod val="20000"/>
+              <a:lumOff val="80000"/>
+            </a:schemeClr>
+          </a:solidFill>
+          <a:ln>
+            <a:solidFill>
+              <a:schemeClr val="tx1"/>
+            </a:solidFill>
+          </a:ln>
+        </p:spPr>
+        <p:style>
+          <a:lnRef idx="2">
+            <a:schemeClr val="accent1">
+              <a:shade val="50000"/>
+            </a:schemeClr>
+          </a:lnRef>
+          <a:fillRef idx="1">
+            <a:schemeClr val="accent1"/>
+          </a:fillRef>
+          <a:effectRef idx="0">
+            <a:schemeClr val="accent1"/>
+          </a:effectRef>
+          <a:fontRef idx="minor">
+            <a:schemeClr val="lt1"/>
+          </a:fontRef>
+        </p:style>
+        <p:txBody>
+          <a:bodyPr rtlCol="0" anchor="ctr"/>
+          <a:lstStyle/>
+          <a:p>
+            <a:pPr algn="ctr"/>
+            <a:r>
+              <a:rPr lang="en-US" smtClean="0">
+                <a:solidFill>
+                  <a:schemeClr val="tx1"/>
+                </a:solidFill>
+              </a:rPr>
+              <a:t>HDMI</a:t>
+            </a:r>
+            <a:endParaRPr lang="en-US" dirty="0">
+              <a:solidFill>
+                <a:schemeClr val="tx1"/>
+              </a:solidFill>
+            </a:endParaRPr>
+          </a:p>
+        </p:txBody>
+      </p:sp>
+      <p:sp>
+        <p:nvSpPr>
+          <p:cNvPr id="7" name="Rounded Rectangle 6"/>
+          <p:cNvSpPr/>
+          <p:nvPr/>
+        </p:nvSpPr>
+        <p:spPr>
+          <a:xfrm>
+            <a:off x="7204552" y="3271377"/>
+            <a:ext cx="1415442" cy="461377"/>
+          </a:xfrm>
+          <a:prstGeom prst="roundRect">
+            <a:avLst/>
+          </a:prstGeom>
+          <a:solidFill>
+            <a:schemeClr val="accent2">
+              <a:lumMod val="20000"/>
+              <a:lumOff val="80000"/>
+            </a:schemeClr>
+          </a:solidFill>
+          <a:ln>
+            <a:solidFill>
+              <a:schemeClr val="tx1"/>
+            </a:solidFill>
+          </a:ln>
+        </p:spPr>
+        <p:style>
+          <a:lnRef idx="2">
+            <a:schemeClr val="accent1">
+              <a:shade val="50000"/>
+            </a:schemeClr>
+          </a:lnRef>
+          <a:fillRef idx="1">
+            <a:schemeClr val="accent1"/>
+          </a:fillRef>
+          <a:effectRef idx="0">
+            <a:schemeClr val="accent1"/>
+          </a:effectRef>
+          <a:fontRef idx="minor">
+            <a:schemeClr val="lt1"/>
+          </a:fontRef>
+        </p:style>
+        <p:txBody>
+          <a:bodyPr rtlCol="0" anchor="ctr"/>
+          <a:lstStyle/>
+          <a:p>
+            <a:pPr algn="ctr"/>
+            <a:r>
+              <a:rPr lang="en-US" smtClean="0">
+                <a:solidFill>
+                  <a:schemeClr val="tx1"/>
+                </a:solidFill>
+              </a:rPr>
+              <a:t>USB 3.0</a:t>
+            </a:r>
+            <a:endParaRPr lang="en-US" dirty="0">
+              <a:solidFill>
+                <a:schemeClr val="tx1"/>
+              </a:solidFill>
+            </a:endParaRPr>
+          </a:p>
+        </p:txBody>
+      </p:sp>
+      <p:sp>
+        <p:nvSpPr>
+          <p:cNvPr id="8" name="Rounded Rectangle 7"/>
+          <p:cNvSpPr/>
+          <p:nvPr/>
+        </p:nvSpPr>
+        <p:spPr>
+          <a:xfrm>
+            <a:off x="8797445" y="3271376"/>
+            <a:ext cx="1415442" cy="461377"/>
+          </a:xfrm>
+          <a:prstGeom prst="roundRect">
+            <a:avLst/>
+          </a:prstGeom>
+          <a:solidFill>
+            <a:schemeClr val="accent2">
+              <a:lumMod val="20000"/>
+              <a:lumOff val="80000"/>
+            </a:schemeClr>
+          </a:solidFill>
+          <a:ln>
+            <a:solidFill>
+              <a:schemeClr val="tx1"/>
+            </a:solidFill>
+          </a:ln>
+        </p:spPr>
+        <p:style>
+          <a:lnRef idx="2">
+            <a:schemeClr val="accent1">
+              <a:shade val="50000"/>
+            </a:schemeClr>
+          </a:lnRef>
+          <a:fillRef idx="1">
+            <a:schemeClr val="accent1"/>
+          </a:fillRef>
+          <a:effectRef idx="0">
+            <a:schemeClr val="accent1"/>
+          </a:effectRef>
+          <a:fontRef idx="minor">
+            <a:schemeClr val="lt1"/>
+          </a:fontRef>
+        </p:style>
+        <p:txBody>
+          <a:bodyPr rtlCol="0" anchor="ctr"/>
+          <a:lstStyle/>
+          <a:p>
+            <a:pPr algn="ctr"/>
+            <a:r>
+              <a:rPr lang="en-US" smtClean="0">
+                <a:solidFill>
+                  <a:schemeClr val="tx1"/>
+                </a:solidFill>
+              </a:rPr>
+              <a:t>USB 3.0</a:t>
+            </a:r>
+            <a:endParaRPr lang="en-US" dirty="0">
+              <a:solidFill>
+                <a:schemeClr val="tx1"/>
+              </a:solidFill>
+            </a:endParaRPr>
+          </a:p>
+        </p:txBody>
+      </p:sp>
+      <p:sp>
+        <p:nvSpPr>
+          <p:cNvPr id="9" name="Rounded Rectangle 8"/>
+          <p:cNvSpPr/>
+          <p:nvPr/>
+        </p:nvSpPr>
+        <p:spPr>
+          <a:xfrm>
+            <a:off x="5498925" y="4394512"/>
+            <a:ext cx="1415442" cy="461377"/>
+          </a:xfrm>
+          <a:prstGeom prst="roundRect">
+            <a:avLst/>
+          </a:prstGeom>
+          <a:solidFill>
+            <a:schemeClr val="bg1"/>
+          </a:solidFill>
+          <a:ln>
+            <a:solidFill>
+              <a:schemeClr val="tx1"/>
+            </a:solidFill>
+          </a:ln>
+        </p:spPr>
+        <p:style>
+          <a:lnRef idx="2">
+            <a:schemeClr val="accent1">
+              <a:shade val="50000"/>
+            </a:schemeClr>
+          </a:lnRef>
+          <a:fillRef idx="1">
+            <a:schemeClr val="accent1"/>
+          </a:fillRef>
+          <a:effectRef idx="0">
+            <a:schemeClr val="accent1"/>
+          </a:effectRef>
+          <a:fontRef idx="minor">
+            <a:schemeClr val="lt1"/>
+          </a:fontRef>
+        </p:style>
+        <p:txBody>
+          <a:bodyPr rtlCol="0" anchor="ctr"/>
+          <a:lstStyle/>
+          <a:p>
+            <a:pPr algn="ctr"/>
+            <a:r>
+              <a:rPr lang="en-US" smtClean="0">
+                <a:solidFill>
+                  <a:schemeClr val="tx1"/>
+                </a:solidFill>
+              </a:rPr>
+              <a:t>Monitor</a:t>
+            </a:r>
+            <a:endParaRPr lang="en-US" dirty="0">
+              <a:solidFill>
+                <a:schemeClr val="tx1"/>
+              </a:solidFill>
+            </a:endParaRPr>
+          </a:p>
+        </p:txBody>
+      </p:sp>
+      <p:sp>
+        <p:nvSpPr>
+          <p:cNvPr id="10" name="Rounded Rectangle 9"/>
+          <p:cNvSpPr/>
+          <p:nvPr/>
+        </p:nvSpPr>
+        <p:spPr>
+          <a:xfrm rot="5400000">
+            <a:off x="3710834" y="2003122"/>
+            <a:ext cx="1415442" cy="461377"/>
+          </a:xfrm>
+          <a:prstGeom prst="roundRect">
+            <a:avLst/>
+          </a:prstGeom>
+          <a:solidFill>
+            <a:schemeClr val="accent2">
+              <a:lumMod val="20000"/>
+              <a:lumOff val="80000"/>
+            </a:schemeClr>
+          </a:solidFill>
+          <a:ln>
+            <a:solidFill>
+              <a:schemeClr val="tx1"/>
+            </a:solidFill>
+          </a:ln>
+        </p:spPr>
+        <p:style>
+          <a:lnRef idx="2">
+            <a:schemeClr val="accent1">
+              <a:shade val="50000"/>
+            </a:schemeClr>
+          </a:lnRef>
+          <a:fillRef idx="1">
+            <a:schemeClr val="accent1"/>
+          </a:fillRef>
+          <a:effectRef idx="0">
+            <a:schemeClr val="accent1"/>
+          </a:effectRef>
+          <a:fontRef idx="minor">
+            <a:schemeClr val="lt1"/>
+          </a:fontRef>
+        </p:style>
+        <p:txBody>
+          <a:bodyPr rtlCol="0" anchor="ctr"/>
+          <a:lstStyle/>
+          <a:p>
+            <a:pPr algn="ctr"/>
+            <a:r>
+              <a:rPr lang="en-US" smtClean="0">
+                <a:solidFill>
+                  <a:schemeClr val="tx1"/>
+                </a:solidFill>
+              </a:rPr>
+              <a:t>Bluetooth</a:t>
+            </a:r>
+            <a:endParaRPr lang="en-US" dirty="0">
+              <a:solidFill>
+                <a:schemeClr val="tx1"/>
+              </a:solidFill>
+            </a:endParaRPr>
+          </a:p>
+        </p:txBody>
+      </p:sp>
+      <p:sp>
+        <p:nvSpPr>
+          <p:cNvPr id="11" name="Rounded Rectangle 10"/>
+          <p:cNvSpPr/>
+          <p:nvPr/>
+        </p:nvSpPr>
+        <p:spPr>
+          <a:xfrm>
+            <a:off x="2068878" y="1679529"/>
+            <a:ext cx="1415442" cy="461377"/>
+          </a:xfrm>
+          <a:prstGeom prst="roundRect">
+            <a:avLst/>
+          </a:prstGeom>
+          <a:solidFill>
+            <a:schemeClr val="bg1"/>
+          </a:solidFill>
+          <a:ln>
+            <a:solidFill>
+              <a:schemeClr val="tx1"/>
+            </a:solidFill>
+          </a:ln>
+        </p:spPr>
+        <p:style>
+          <a:lnRef idx="2">
+            <a:schemeClr val="accent1">
+              <a:shade val="50000"/>
+            </a:schemeClr>
+          </a:lnRef>
+          <a:fillRef idx="1">
+            <a:schemeClr val="accent1"/>
+          </a:fillRef>
+          <a:effectRef idx="0">
+            <a:schemeClr val="accent1"/>
+          </a:effectRef>
+          <a:fontRef idx="minor">
+            <a:schemeClr val="lt1"/>
+          </a:fontRef>
+        </p:style>
+        <p:txBody>
+          <a:bodyPr rtlCol="0" anchor="ctr"/>
+          <a:lstStyle/>
+          <a:p>
+            <a:pPr algn="ctr"/>
+            <a:r>
+              <a:rPr lang="en-US" smtClean="0">
+                <a:solidFill>
+                  <a:schemeClr val="tx1"/>
+                </a:solidFill>
+              </a:rPr>
+              <a:t>Keyboard</a:t>
+            </a:r>
+            <a:endParaRPr lang="en-US" dirty="0">
+              <a:solidFill>
+                <a:schemeClr val="tx1"/>
+              </a:solidFill>
+            </a:endParaRPr>
+          </a:p>
+        </p:txBody>
+      </p:sp>
+      <p:sp>
+        <p:nvSpPr>
+          <p:cNvPr id="12" name="Rounded Rectangle 11"/>
+          <p:cNvSpPr/>
+          <p:nvPr/>
+        </p:nvSpPr>
+        <p:spPr>
+          <a:xfrm>
+            <a:off x="2068878" y="2379946"/>
+            <a:ext cx="1415442" cy="461377"/>
+          </a:xfrm>
+          <a:prstGeom prst="roundRect">
+            <a:avLst/>
+          </a:prstGeom>
+          <a:solidFill>
+            <a:schemeClr val="bg1"/>
+          </a:solidFill>
+          <a:ln>
+            <a:solidFill>
+              <a:schemeClr val="tx1"/>
+            </a:solidFill>
+          </a:ln>
+        </p:spPr>
+        <p:style>
+          <a:lnRef idx="2">
+            <a:schemeClr val="accent1">
+              <a:shade val="50000"/>
+            </a:schemeClr>
+          </a:lnRef>
+          <a:fillRef idx="1">
+            <a:schemeClr val="accent1"/>
+          </a:fillRef>
+          <a:effectRef idx="0">
+            <a:schemeClr val="accent1"/>
+          </a:effectRef>
+          <a:fontRef idx="minor">
+            <a:schemeClr val="lt1"/>
+          </a:fontRef>
+        </p:style>
+        <p:txBody>
+          <a:bodyPr rtlCol="0" anchor="ctr"/>
+          <a:lstStyle/>
+          <a:p>
+            <a:pPr algn="ctr"/>
+            <a:r>
+              <a:rPr lang="en-US" dirty="0" smtClean="0">
+                <a:solidFill>
+                  <a:schemeClr val="tx1"/>
+                </a:solidFill>
+              </a:rPr>
+              <a:t>Mouse</a:t>
+            </a:r>
+            <a:endParaRPr lang="en-US" dirty="0">
+              <a:solidFill>
+                <a:schemeClr val="tx1"/>
+              </a:solidFill>
+            </a:endParaRPr>
+          </a:p>
+        </p:txBody>
+      </p:sp>
+      <p:sp>
+        <p:nvSpPr>
+          <p:cNvPr id="14" name="Right Arrow 13"/>
+          <p:cNvSpPr/>
+          <p:nvPr/>
+        </p:nvSpPr>
+        <p:spPr>
+          <a:xfrm>
+            <a:off x="3572006" y="1721279"/>
+            <a:ext cx="586633" cy="377875"/>
+          </a:xfrm>
+          <a:prstGeom prst="rightArrow">
+            <a:avLst/>
+          </a:prstGeom>
+        </p:spPr>
+        <p:style>
+          <a:lnRef idx="2">
+            <a:schemeClr val="accent1">
+              <a:shade val="50000"/>
+            </a:schemeClr>
+          </a:lnRef>
+          <a:fillRef idx="1">
+            <a:schemeClr val="accent1"/>
+          </a:fillRef>
+          <a:effectRef idx="0">
+            <a:schemeClr val="accent1"/>
+          </a:effectRef>
+          <a:fontRef idx="minor">
+            <a:schemeClr val="lt1"/>
+          </a:fontRef>
+        </p:style>
+        <p:txBody>
+          <a:bodyPr rtlCol="0" anchor="ctr"/>
+          <a:lstStyle/>
+          <a:p>
+            <a:pPr algn="ctr"/>
+            <a:endParaRPr lang="en-US"/>
+          </a:p>
+        </p:txBody>
+      </p:sp>
+      <p:sp>
+        <p:nvSpPr>
+          <p:cNvPr id="15" name="Right Arrow 14"/>
+          <p:cNvSpPr/>
+          <p:nvPr/>
+        </p:nvSpPr>
+        <p:spPr>
+          <a:xfrm>
+            <a:off x="3578269" y="2410213"/>
+            <a:ext cx="586633" cy="377875"/>
+          </a:xfrm>
+          <a:prstGeom prst="rightArrow">
+            <a:avLst/>
+          </a:prstGeom>
+        </p:spPr>
+        <p:style>
+          <a:lnRef idx="2">
+            <a:schemeClr val="accent1">
+              <a:shade val="50000"/>
+            </a:schemeClr>
+          </a:lnRef>
+          <a:fillRef idx="1">
+            <a:schemeClr val="accent1"/>
+          </a:fillRef>
+          <a:effectRef idx="0">
+            <a:schemeClr val="accent1"/>
+          </a:effectRef>
+          <a:fontRef idx="minor">
+            <a:schemeClr val="lt1"/>
+          </a:fontRef>
+        </p:style>
+        <p:txBody>
+          <a:bodyPr rtlCol="0" anchor="ctr"/>
+          <a:lstStyle/>
+          <a:p>
+            <a:pPr algn="ctr"/>
+            <a:endParaRPr lang="en-US"/>
+          </a:p>
+        </p:txBody>
+      </p:sp>
+      <p:sp>
+        <p:nvSpPr>
+          <p:cNvPr id="16" name="Right Arrow 15"/>
+          <p:cNvSpPr/>
+          <p:nvPr/>
+        </p:nvSpPr>
+        <p:spPr>
+          <a:xfrm rot="5400000">
+            <a:off x="5932117" y="3874696"/>
+            <a:ext cx="586633" cy="377875"/>
+          </a:xfrm>
+          <a:prstGeom prst="rightArrow">
+            <a:avLst/>
+          </a:prstGeom>
+        </p:spPr>
+        <p:style>
+          <a:lnRef idx="2">
+            <a:schemeClr val="accent1">
+              <a:shade val="50000"/>
+            </a:schemeClr>
+          </a:lnRef>
+          <a:fillRef idx="1">
+            <a:schemeClr val="accent1"/>
+          </a:fillRef>
+          <a:effectRef idx="0">
+            <a:schemeClr val="accent1"/>
+          </a:effectRef>
+          <a:fontRef idx="minor">
+            <a:schemeClr val="lt1"/>
+          </a:fontRef>
+        </p:style>
+        <p:txBody>
+          <a:bodyPr rtlCol="0" anchor="ctr"/>
+          <a:lstStyle/>
+          <a:p>
+            <a:pPr algn="ctr"/>
+            <a:endParaRPr lang="en-US"/>
+          </a:p>
+        </p:txBody>
+      </p:sp>
+      <p:sp>
+        <p:nvSpPr>
+          <p:cNvPr id="17" name="Left-Right Arrow 16"/>
+          <p:cNvSpPr/>
+          <p:nvPr/>
+        </p:nvSpPr>
+        <p:spPr>
+          <a:xfrm>
+            <a:off x="6902883" y="1825661"/>
+            <a:ext cx="603337" cy="377875"/>
+          </a:xfrm>
+          <a:prstGeom prst="leftRightArrow">
+            <a:avLst/>
+          </a:prstGeom>
+        </p:spPr>
+        <p:style>
+          <a:lnRef idx="2">
+            <a:schemeClr val="accent1">
+              <a:shade val="50000"/>
+            </a:schemeClr>
+          </a:lnRef>
+          <a:fillRef idx="1">
+            <a:schemeClr val="accent1"/>
+          </a:fillRef>
+          <a:effectRef idx="0">
+            <a:schemeClr val="accent1"/>
+          </a:effectRef>
+          <a:fontRef idx="minor">
+            <a:schemeClr val="lt1"/>
+          </a:fontRef>
+        </p:style>
+        <p:txBody>
+          <a:bodyPr rtlCol="0" anchor="ctr"/>
+          <a:lstStyle/>
+          <a:p>
+            <a:pPr algn="ctr"/>
+            <a:endParaRPr lang="en-US"/>
+          </a:p>
+        </p:txBody>
+      </p:sp>
+    </p:spTree>
+    <p:extLst>
+      <p:ext uri="{BB962C8B-B14F-4D97-AF65-F5344CB8AC3E}">
+        <p14:creationId xmlns:p14="http://schemas.microsoft.com/office/powerpoint/2010/main" val="1731987162"/>
+      </p:ext>
+    </p:extLst>
+  </p:cSld>
+  <p:clrMapOvr>
+    <a:masterClrMapping/>
+  </p:clrMapOvr>
 </p:sld>
 </file>
 
